--- a/presentations/day4/Helmholtz - McStas day4.pptx
+++ b/presentations/day4/Helmholtz - McStas day4.pptx
@@ -4151,8 +4151,8 @@
         </p:blipFill>
         <p:spPr>
           <a:xfrm>
-            <a:off x="5382149" y="721809"/>
-            <a:ext cx="5681184" cy="2462452"/>
+            <a:off x="5382148" y="721809"/>
+            <a:ext cx="5681185" cy="2462452"/>
           </a:xfrm>
           <a:prstGeom prst="rect">
             <a:avLst/>
@@ -4560,18 +4560,20 @@
             </a:r>
             <a:br/>
             <a:br/>
-            <a:br/>
           </a:p>
           <a:p>
             <a:pPr/>
             <a:r>
-              <a:t>José: work understanding and readability of ‘sorting</a:t>
+              <a:t>José with Greg: work on understanding and readability </a:t>
             </a:r>
             <a:br/>
             <a:r>
-              <a:t>algorithm’ for FUNNEL mode. No measurable diff. yet.</a:t>
+              <a:t>of ‘sorting algorithm’ for FUNNEL mode. No measurable</a:t>
             </a:r>
             <a:br/>
+            <a:r>
+              <a:t>diff. yet.</a:t>
+            </a:r>
             <a:br/>
           </a:p>
           <a:p>
@@ -4647,8 +4649,8 @@
         </p:blipFill>
         <p:spPr>
           <a:xfrm>
-            <a:off x="7195954" y="132815"/>
-            <a:ext cx="3741912" cy="2993530"/>
+            <a:off x="7261976" y="132815"/>
+            <a:ext cx="3675889" cy="2940712"/>
           </a:xfrm>
           <a:prstGeom prst="rect">
             <a:avLst/>
